--- a/session2/C-Schemas.pptx
+++ b/session2/C-Schemas.pptx
@@ -7,6 +7,7 @@
   <p:sldIdLst>
     <p:sldId id="257" r:id="rId2"/>
     <p:sldId id="258" r:id="rId3"/>
+    <p:sldId id="259" r:id="rId4"/>
   </p:sldIdLst>
   <p:sldSz cx="9144000" cy="6858000" type="screen4x3"/>
   <p:notesSz cx="6858000" cy="9144000"/>
@@ -105,6 +106,11 @@
       </a:defRPr>
     </a:lvl9pPr>
   </p:defaultTextStyle>
+  <p:extLst>
+    <p:ext uri="{EFAFB233-063F-42B5-8137-9DF3F51BA10A}">
+      <p15:sldGuideLst xmlns:p15="http://schemas.microsoft.com/office/powerpoint/2012/main"/>
+    </p:ext>
+  </p:extLst>
 </p:presentation>
 </file>
 
@@ -239,7 +245,7 @@
           <a:p>
             <a:fld id="{AFC6D471-B4FA-4BA4-AF93-E088EE1C2538}" type="datetimeFigureOut">
               <a:rPr lang="en-US" smtClean="0"/>
-              <a:t>2/24/2018</a:t>
+              <a:t>7/12/2022</a:t>
             </a:fld>
             <a:endParaRPr lang="en-US"/>
           </a:p>
@@ -409,7 +415,7 @@
           <a:p>
             <a:fld id="{AFC6D471-B4FA-4BA4-AF93-E088EE1C2538}" type="datetimeFigureOut">
               <a:rPr lang="en-US" smtClean="0"/>
-              <a:t>2/24/2018</a:t>
+              <a:t>7/12/2022</a:t>
             </a:fld>
             <a:endParaRPr lang="en-US"/>
           </a:p>
@@ -589,7 +595,7 @@
           <a:p>
             <a:fld id="{AFC6D471-B4FA-4BA4-AF93-E088EE1C2538}" type="datetimeFigureOut">
               <a:rPr lang="en-US" smtClean="0"/>
-              <a:t>2/24/2018</a:t>
+              <a:t>7/12/2022</a:t>
             </a:fld>
             <a:endParaRPr lang="en-US"/>
           </a:p>
@@ -790,7 +796,7 @@
           <a:p>
             <a:fld id="{AFC6D471-B4FA-4BA4-AF93-E088EE1C2538}" type="datetimeFigureOut">
               <a:rPr lang="en-US" smtClean="0"/>
-              <a:t>2/24/2018</a:t>
+              <a:t>7/12/2022</a:t>
             </a:fld>
             <a:endParaRPr lang="en-US"/>
           </a:p>
@@ -1034,7 +1040,7 @@
           <a:p>
             <a:fld id="{AFC6D471-B4FA-4BA4-AF93-E088EE1C2538}" type="datetimeFigureOut">
               <a:rPr lang="en-US" smtClean="0"/>
-              <a:t>2/24/2018</a:t>
+              <a:t>7/12/2022</a:t>
             </a:fld>
             <a:endParaRPr lang="en-US"/>
           </a:p>
@@ -1266,7 +1272,7 @@
           <a:p>
             <a:fld id="{AFC6D471-B4FA-4BA4-AF93-E088EE1C2538}" type="datetimeFigureOut">
               <a:rPr lang="en-US" smtClean="0"/>
-              <a:t>2/24/2018</a:t>
+              <a:t>7/12/2022</a:t>
             </a:fld>
             <a:endParaRPr lang="en-US"/>
           </a:p>
@@ -1633,7 +1639,7 @@
           <a:p>
             <a:fld id="{AFC6D471-B4FA-4BA4-AF93-E088EE1C2538}" type="datetimeFigureOut">
               <a:rPr lang="en-US" smtClean="0"/>
-              <a:t>2/24/2018</a:t>
+              <a:t>7/12/2022</a:t>
             </a:fld>
             <a:endParaRPr lang="en-US"/>
           </a:p>
@@ -1751,7 +1757,7 @@
           <a:p>
             <a:fld id="{AFC6D471-B4FA-4BA4-AF93-E088EE1C2538}" type="datetimeFigureOut">
               <a:rPr lang="en-US" smtClean="0"/>
-              <a:t>2/24/2018</a:t>
+              <a:t>7/12/2022</a:t>
             </a:fld>
             <a:endParaRPr lang="en-US"/>
           </a:p>
@@ -1846,7 +1852,7 @@
           <a:p>
             <a:fld id="{AFC6D471-B4FA-4BA4-AF93-E088EE1C2538}" type="datetimeFigureOut">
               <a:rPr lang="en-US" smtClean="0"/>
-              <a:t>2/24/2018</a:t>
+              <a:t>7/12/2022</a:t>
             </a:fld>
             <a:endParaRPr lang="en-US"/>
           </a:p>
@@ -2123,7 +2129,7 @@
           <a:p>
             <a:fld id="{AFC6D471-B4FA-4BA4-AF93-E088EE1C2538}" type="datetimeFigureOut">
               <a:rPr lang="en-US" smtClean="0"/>
-              <a:t>2/24/2018</a:t>
+              <a:t>7/12/2022</a:t>
             </a:fld>
             <a:endParaRPr lang="en-US"/>
           </a:p>
@@ -2380,7 +2386,7 @@
           <a:p>
             <a:fld id="{AFC6D471-B4FA-4BA4-AF93-E088EE1C2538}" type="datetimeFigureOut">
               <a:rPr lang="en-US" smtClean="0"/>
-              <a:t>2/24/2018</a:t>
+              <a:t>7/12/2022</a:t>
             </a:fld>
             <a:endParaRPr lang="en-US"/>
           </a:p>
@@ -2593,7 +2599,7 @@
           <a:p>
             <a:fld id="{AFC6D471-B4FA-4BA4-AF93-E088EE1C2538}" type="datetimeFigureOut">
               <a:rPr lang="en-US" smtClean="0"/>
-              <a:t>2/24/2018</a:t>
+              <a:t>7/12/2022</a:t>
             </a:fld>
             <a:endParaRPr lang="en-US"/>
           </a:p>
@@ -3042,7 +3048,7 @@
           </a:ln>
           <a:extLst>
             <a:ext uri="{C572A759-6A51-4108-AA02-DFA0A04FC94B}">
-              <ma14:wrappingTextBoxFlag xmlns:ma14="http://schemas.microsoft.com/office/mac/drawingml/2011/main" xmlns="" val="1"/>
+              <ma14:wrappingTextBoxFlag xmlns="" xmlns:ma14="http://schemas.microsoft.com/office/mac/drawingml/2011/main" val="1"/>
             </a:ext>
           </a:extLst>
         </p:spPr>
@@ -3132,7 +3138,7 @@
           </a:ln>
           <a:extLst>
             <a:ext uri="{C572A759-6A51-4108-AA02-DFA0A04FC94B}">
-              <ma14:wrappingTextBoxFlag xmlns:ma14="http://schemas.microsoft.com/office/mac/drawingml/2011/main" xmlns="" val="1"/>
+              <ma14:wrappingTextBoxFlag xmlns="" xmlns:ma14="http://schemas.microsoft.com/office/mac/drawingml/2011/main" val="1"/>
             </a:ext>
           </a:extLst>
         </p:spPr>
@@ -3203,6 +3209,129 @@
     <p:extLst>
       <p:ext uri="{BB962C8B-B14F-4D97-AF65-F5344CB8AC3E}">
         <p14:creationId xmlns:p14="http://schemas.microsoft.com/office/powerpoint/2010/main" val="1070763588"/>
+      </p:ext>
+    </p:extLst>
+  </p:cSld>
+  <p:clrMapOvr>
+    <a:masterClrMapping/>
+  </p:clrMapOvr>
+  <p:transition spd="med"/>
+</p:sld>
+</file>
+
+<file path=ppt/slides/slide3.xml><?xml version="1.0" encoding="utf-8"?>
+<p:sld xmlns:a="http://schemas.openxmlformats.org/drawingml/2006/main" xmlns:r="http://schemas.openxmlformats.org/officeDocument/2006/relationships" xmlns:p="http://schemas.openxmlformats.org/presentationml/2006/main">
+  <p:cSld>
+    <p:spTree>
+      <p:nvGrpSpPr>
+        <p:cNvPr id="1" name=""/>
+        <p:cNvGrpSpPr/>
+        <p:nvPr/>
+      </p:nvGrpSpPr>
+      <p:grpSpPr>
+        <a:xfrm>
+          <a:off x="0" y="0"/>
+          <a:ext cx="0" cy="0"/>
+          <a:chOff x="0" y="0"/>
+          <a:chExt cx="0" cy="0"/>
+        </a:xfrm>
+      </p:grpSpPr>
+      <p:pic>
+        <p:nvPicPr>
+          <p:cNvPr id="3" name="Picture 2">
+            <a:extLst>
+              <a:ext uri="{FF2B5EF4-FFF2-40B4-BE49-F238E27FC236}">
+                <a16:creationId xmlns:a16="http://schemas.microsoft.com/office/drawing/2014/main" id="{EC847489-0A24-D1BC-5E99-76C6C73E9363}"/>
+              </a:ext>
+            </a:extLst>
+          </p:cNvPr>
+          <p:cNvPicPr>
+            <a:picLocks noChangeAspect="1"/>
+          </p:cNvPicPr>
+          <p:nvPr/>
+        </p:nvPicPr>
+        <p:blipFill>
+          <a:blip r:embed="rId2"/>
+          <a:stretch>
+            <a:fillRect/>
+          </a:stretch>
+        </p:blipFill>
+        <p:spPr>
+          <a:xfrm>
+            <a:off x="883664" y="457200"/>
+            <a:ext cx="7307973" cy="6400800"/>
+          </a:xfrm>
+          <a:prstGeom prst="rect">
+            <a:avLst/>
+          </a:prstGeom>
+        </p:spPr>
+      </p:pic>
+      <p:sp>
+        <p:nvSpPr>
+          <p:cNvPr id="4" name="Shape 40">
+            <a:extLst>
+              <a:ext uri="{FF2B5EF4-FFF2-40B4-BE49-F238E27FC236}">
+                <a16:creationId xmlns:a16="http://schemas.microsoft.com/office/drawing/2014/main" id="{836C9048-B22B-7698-3DBB-E562E0B2B6C0}"/>
+              </a:ext>
+            </a:extLst>
+          </p:cNvPr>
+          <p:cNvSpPr/>
+          <p:nvPr/>
+        </p:nvSpPr>
+        <p:spPr>
+          <a:xfrm>
+            <a:off x="434258" y="0"/>
+            <a:ext cx="7757379" cy="523220"/>
+          </a:xfrm>
+          <a:prstGeom prst="rect">
+            <a:avLst/>
+          </a:prstGeom>
+          <a:ln w="12700">
+            <a:miter lim="400000"/>
+          </a:ln>
+          <a:extLst>
+            <a:ext uri="{C572A759-6A51-4108-AA02-DFA0A04FC94B}">
+              <ma14:wrappingTextBoxFlag xmlns="" xmlns:ma14="http://schemas.microsoft.com/office/mac/drawingml/2011/main" val="1"/>
+            </a:ext>
+          </a:extLst>
+        </p:spPr>
+        <p:txBody>
+          <a:bodyPr lIns="45719" rIns="45719">
+            <a:spAutoFit/>
+          </a:bodyPr>
+          <a:lstStyle>
+            <a:lvl1pPr>
+              <a:defRPr sz="3000" b="1">
+                <a:uFill>
+                  <a:solidFill>
+                    <a:srgbClr val="FFFFFF"/>
+                  </a:solidFill>
+                </a:uFill>
+              </a:defRPr>
+            </a:lvl1pPr>
+          </a:lstStyle>
+          <a:p>
+            <a:pPr lvl="0" algn="ctr">
+              <a:defRPr sz="1800" b="0">
+                <a:solidFill>
+                  <a:srgbClr val="000000"/>
+                </a:solidFill>
+                <a:uFillTx/>
+              </a:defRPr>
+            </a:pPr>
+            <a:r>
+              <a:rPr lang="en-US" sz="2800" dirty="0">
+                <a:latin typeface="Arial Unicode MS" panose="020B0604020202020204" pitchFamily="34" charset="-128"/>
+              </a:rPr>
+              <a:t>Schema for Northwind database</a:t>
+            </a:r>
+          </a:p>
+        </p:txBody>
+      </p:sp>
+    </p:spTree>
+    <p:extLst>
+      <p:ext uri="{BB962C8B-B14F-4D97-AF65-F5344CB8AC3E}">
+        <p14:creationId xmlns:p14="http://schemas.microsoft.com/office/powerpoint/2010/main" val="3106099605"/>
       </p:ext>
     </p:extLst>
   </p:cSld>

--- a/session2/C-Schemas.pptx
+++ b/session2/C-Schemas.pptx
@@ -245,7 +245,7 @@
           <a:p>
             <a:fld id="{AFC6D471-B4FA-4BA4-AF93-E088EE1C2538}" type="datetimeFigureOut">
               <a:rPr lang="en-US" smtClean="0"/>
-              <a:t>7/12/2022</a:t>
+              <a:t>2/15/2023</a:t>
             </a:fld>
             <a:endParaRPr lang="en-US"/>
           </a:p>
@@ -415,7 +415,7 @@
           <a:p>
             <a:fld id="{AFC6D471-B4FA-4BA4-AF93-E088EE1C2538}" type="datetimeFigureOut">
               <a:rPr lang="en-US" smtClean="0"/>
-              <a:t>7/12/2022</a:t>
+              <a:t>2/15/2023</a:t>
             </a:fld>
             <a:endParaRPr lang="en-US"/>
           </a:p>
@@ -595,7 +595,7 @@
           <a:p>
             <a:fld id="{AFC6D471-B4FA-4BA4-AF93-E088EE1C2538}" type="datetimeFigureOut">
               <a:rPr lang="en-US" smtClean="0"/>
-              <a:t>7/12/2022</a:t>
+              <a:t>2/15/2023</a:t>
             </a:fld>
             <a:endParaRPr lang="en-US"/>
           </a:p>
@@ -796,7 +796,7 @@
           <a:p>
             <a:fld id="{AFC6D471-B4FA-4BA4-AF93-E088EE1C2538}" type="datetimeFigureOut">
               <a:rPr lang="en-US" smtClean="0"/>
-              <a:t>7/12/2022</a:t>
+              <a:t>2/15/2023</a:t>
             </a:fld>
             <a:endParaRPr lang="en-US"/>
           </a:p>
@@ -1040,7 +1040,7 @@
           <a:p>
             <a:fld id="{AFC6D471-B4FA-4BA4-AF93-E088EE1C2538}" type="datetimeFigureOut">
               <a:rPr lang="en-US" smtClean="0"/>
-              <a:t>7/12/2022</a:t>
+              <a:t>2/15/2023</a:t>
             </a:fld>
             <a:endParaRPr lang="en-US"/>
           </a:p>
@@ -1272,7 +1272,7 @@
           <a:p>
             <a:fld id="{AFC6D471-B4FA-4BA4-AF93-E088EE1C2538}" type="datetimeFigureOut">
               <a:rPr lang="en-US" smtClean="0"/>
-              <a:t>7/12/2022</a:t>
+              <a:t>2/15/2023</a:t>
             </a:fld>
             <a:endParaRPr lang="en-US"/>
           </a:p>
@@ -1639,7 +1639,7 @@
           <a:p>
             <a:fld id="{AFC6D471-B4FA-4BA4-AF93-E088EE1C2538}" type="datetimeFigureOut">
               <a:rPr lang="en-US" smtClean="0"/>
-              <a:t>7/12/2022</a:t>
+              <a:t>2/15/2023</a:t>
             </a:fld>
             <a:endParaRPr lang="en-US"/>
           </a:p>
@@ -1757,7 +1757,7 @@
           <a:p>
             <a:fld id="{AFC6D471-B4FA-4BA4-AF93-E088EE1C2538}" type="datetimeFigureOut">
               <a:rPr lang="en-US" smtClean="0"/>
-              <a:t>7/12/2022</a:t>
+              <a:t>2/15/2023</a:t>
             </a:fld>
             <a:endParaRPr lang="en-US"/>
           </a:p>
@@ -1852,7 +1852,7 @@
           <a:p>
             <a:fld id="{AFC6D471-B4FA-4BA4-AF93-E088EE1C2538}" type="datetimeFigureOut">
               <a:rPr lang="en-US" smtClean="0"/>
-              <a:t>7/12/2022</a:t>
+              <a:t>2/15/2023</a:t>
             </a:fld>
             <a:endParaRPr lang="en-US"/>
           </a:p>
@@ -2129,7 +2129,7 @@
           <a:p>
             <a:fld id="{AFC6D471-B4FA-4BA4-AF93-E088EE1C2538}" type="datetimeFigureOut">
               <a:rPr lang="en-US" smtClean="0"/>
-              <a:t>7/12/2022</a:t>
+              <a:t>2/15/2023</a:t>
             </a:fld>
             <a:endParaRPr lang="en-US"/>
           </a:p>
@@ -2386,7 +2386,7 @@
           <a:p>
             <a:fld id="{AFC6D471-B4FA-4BA4-AF93-E088EE1C2538}" type="datetimeFigureOut">
               <a:rPr lang="en-US" smtClean="0"/>
-              <a:t>7/12/2022</a:t>
+              <a:t>2/15/2023</a:t>
             </a:fld>
             <a:endParaRPr lang="en-US"/>
           </a:p>
@@ -2599,7 +2599,7 @@
           <a:p>
             <a:fld id="{AFC6D471-B4FA-4BA4-AF93-E088EE1C2538}" type="datetimeFigureOut">
               <a:rPr lang="en-US" smtClean="0"/>
-              <a:t>7/12/2022</a:t>
+              <a:t>2/15/2023</a:t>
             </a:fld>
             <a:endParaRPr lang="en-US"/>
           </a:p>
@@ -3005,30 +3005,6 @@
           <a:chExt cx="0" cy="0"/>
         </a:xfrm>
       </p:grpSpPr>
-      <p:pic>
-        <p:nvPicPr>
-          <p:cNvPr id="2" name="Picture 1"/>
-          <p:cNvPicPr>
-            <a:picLocks noChangeAspect="1"/>
-          </p:cNvPicPr>
-          <p:nvPr/>
-        </p:nvPicPr>
-        <p:blipFill>
-          <a:blip r:embed="rId2"/>
-          <a:stretch>
-            <a:fillRect/>
-          </a:stretch>
-        </p:blipFill>
-        <p:spPr>
-          <a:xfrm>
-            <a:off x="229725" y="789132"/>
-            <a:ext cx="8715375" cy="5762625"/>
-          </a:xfrm>
-          <a:prstGeom prst="rect">
-            <a:avLst/>
-          </a:prstGeom>
-        </p:spPr>
-      </p:pic>
       <p:sp>
         <p:nvSpPr>
           <p:cNvPr id="3" name="Shape 40"/>
@@ -3048,7 +3024,7 @@
           </a:ln>
           <a:extLst>
             <a:ext uri="{C572A759-6A51-4108-AA02-DFA0A04FC94B}">
-              <ma14:wrappingTextBoxFlag xmlns="" xmlns:ma14="http://schemas.microsoft.com/office/mac/drawingml/2011/main" val="1"/>
+              <ma14:wrappingTextBoxFlag xmlns:ma14="http://schemas.microsoft.com/office/mac/drawingml/2011/main" xmlns="" val="1"/>
             </a:ext>
           </a:extLst>
         </p:spPr>
@@ -3088,6 +3064,42 @@
           </a:p>
         </p:txBody>
       </p:sp>
+      <p:pic>
+        <p:nvPicPr>
+          <p:cNvPr id="5" name="Picture 4">
+            <a:extLst>
+              <a:ext uri="{FF2B5EF4-FFF2-40B4-BE49-F238E27FC236}">
+                <a16:creationId xmlns:a16="http://schemas.microsoft.com/office/drawing/2014/main" id="{835C1F06-A9DF-8444-BEF9-7B24CDD1989B}"/>
+              </a:ext>
+            </a:extLst>
+          </p:cNvPr>
+          <p:cNvPicPr>
+            <a:picLocks noChangeAspect="1"/>
+          </p:cNvPicPr>
+          <p:nvPr/>
+        </p:nvPicPr>
+        <p:blipFill>
+          <a:blip r:embed="rId2"/>
+          <a:stretch>
+            <a:fillRect/>
+          </a:stretch>
+        </p:blipFill>
+        <p:spPr>
+          <a:xfrm>
+            <a:off x="425733" y="719715"/>
+            <a:ext cx="8485095" cy="5721808"/>
+          </a:xfrm>
+          <a:prstGeom prst="rect">
+            <a:avLst/>
+          </a:prstGeom>
+          <a:ln>
+            <a:noFill/>
+          </a:ln>
+          <a:effectLst>
+            <a:softEdge rad="112500"/>
+          </a:effectLst>
+        </p:spPr>
+      </p:pic>
     </p:spTree>
     <p:extLst>
       <p:ext uri="{BB962C8B-B14F-4D97-AF65-F5344CB8AC3E}">
@@ -3138,7 +3150,7 @@
           </a:ln>
           <a:extLst>
             <a:ext uri="{C572A759-6A51-4108-AA02-DFA0A04FC94B}">
-              <ma14:wrappingTextBoxFlag xmlns="" xmlns:ma14="http://schemas.microsoft.com/office/mac/drawingml/2011/main" val="1"/>
+              <ma14:wrappingTextBoxFlag xmlns:ma14="http://schemas.microsoft.com/office/mac/drawingml/2011/main" xmlns="" val="1"/>
             </a:ext>
           </a:extLst>
         </p:spPr>
@@ -3291,7 +3303,7 @@
           </a:ln>
           <a:extLst>
             <a:ext uri="{C572A759-6A51-4108-AA02-DFA0A04FC94B}">
-              <ma14:wrappingTextBoxFlag xmlns="" xmlns:ma14="http://schemas.microsoft.com/office/mac/drawingml/2011/main" val="1"/>
+              <ma14:wrappingTextBoxFlag xmlns:ma14="http://schemas.microsoft.com/office/mac/drawingml/2011/main" xmlns="" val="1"/>
             </a:ext>
           </a:extLst>
         </p:spPr>
